--- a/web-fundamentals/git/GIT.pptx
+++ b/web-fundamentals/git/GIT.pptx
@@ -345,7 +345,7 @@
             <a:fld id="{A37D6D71-8B28-4ED6-B932-04B197003D23}" type="datetimeFigureOut">
               <a:rPr lang="en-US" smtClean="0"/>
               <a:pPr algn="r"/>
-              <a:t>7/21/2021</a:t>
+              <a:t>7/22/2021</a:t>
             </a:fld>
             <a:endParaRPr lang="en-US" dirty="0"/>
           </a:p>
@@ -567,7 +567,7 @@
             <a:fld id="{A37D6D71-8B28-4ED6-B932-04B197003D23}" type="datetimeFigureOut">
               <a:rPr lang="en-US" smtClean="0"/>
               <a:pPr algn="r"/>
-              <a:t>7/21/2021</a:t>
+              <a:t>7/22/2021</a:t>
             </a:fld>
             <a:endParaRPr lang="en-US" dirty="0"/>
           </a:p>
@@ -850,7 +850,7 @@
             <a:fld id="{A37D6D71-8B28-4ED6-B932-04B197003D23}" type="datetimeFigureOut">
               <a:rPr lang="en-US" smtClean="0"/>
               <a:pPr algn="r"/>
-              <a:t>7/21/2021</a:t>
+              <a:t>7/22/2021</a:t>
             </a:fld>
             <a:endParaRPr lang="en-US" dirty="0"/>
           </a:p>
@@ -1064,7 +1064,7 @@
             <a:fld id="{A37D6D71-8B28-4ED6-B932-04B197003D23}" type="datetimeFigureOut">
               <a:rPr lang="en-US" smtClean="0"/>
               <a:pPr algn="r"/>
-              <a:t>7/21/2021</a:t>
+              <a:t>7/22/2021</a:t>
             </a:fld>
             <a:endParaRPr lang="en-US" dirty="0"/>
           </a:p>
@@ -1402,7 +1402,7 @@
             <a:fld id="{A37D6D71-8B28-4ED6-B932-04B197003D23}" type="datetimeFigureOut">
               <a:rPr lang="en-US" smtClean="0"/>
               <a:pPr algn="r"/>
-              <a:t>7/21/2021</a:t>
+              <a:t>7/22/2021</a:t>
             </a:fld>
             <a:endParaRPr lang="en-US" dirty="0"/>
           </a:p>
@@ -1677,7 +1677,7 @@
             <a:fld id="{A37D6D71-8B28-4ED6-B932-04B197003D23}" type="datetimeFigureOut">
               <a:rPr lang="en-US" smtClean="0"/>
               <a:pPr algn="r"/>
-              <a:t>7/21/2021</a:t>
+              <a:t>7/22/2021</a:t>
             </a:fld>
             <a:endParaRPr lang="en-US" dirty="0"/>
           </a:p>
@@ -2066,7 +2066,7 @@
             <a:fld id="{A37D6D71-8B28-4ED6-B932-04B197003D23}" type="datetimeFigureOut">
               <a:rPr lang="en-US" smtClean="0"/>
               <a:pPr algn="r"/>
-              <a:t>7/21/2021</a:t>
+              <a:t>7/22/2021</a:t>
             </a:fld>
             <a:endParaRPr lang="en-US" dirty="0"/>
           </a:p>
@@ -2243,7 +2243,7 @@
             <a:fld id="{A37D6D71-8B28-4ED6-B932-04B197003D23}" type="datetimeFigureOut">
               <a:rPr lang="en-US" smtClean="0"/>
               <a:pPr algn="r"/>
-              <a:t>7/21/2021</a:t>
+              <a:t>7/22/2021</a:t>
             </a:fld>
             <a:endParaRPr lang="en-US" dirty="0"/>
           </a:p>
@@ -2364,7 +2364,7 @@
             <a:fld id="{A37D6D71-8B28-4ED6-B932-04B197003D23}" type="datetimeFigureOut">
               <a:rPr lang="en-US" smtClean="0"/>
               <a:pPr algn="r"/>
-              <a:t>7/21/2021</a:t>
+              <a:t>7/22/2021</a:t>
             </a:fld>
             <a:endParaRPr lang="en-US" dirty="0"/>
           </a:p>
@@ -2649,7 +2649,7 @@
             <a:fld id="{A37D6D71-8B28-4ED6-B932-04B197003D23}" type="datetimeFigureOut">
               <a:rPr lang="en-US" smtClean="0"/>
               <a:pPr algn="r"/>
-              <a:t>7/21/2021</a:t>
+              <a:t>7/22/2021</a:t>
             </a:fld>
             <a:endParaRPr lang="en-US" dirty="0"/>
           </a:p>
@@ -2950,7 +2950,7 @@
             <a:fld id="{A37D6D71-8B28-4ED6-B932-04B197003D23}" type="datetimeFigureOut">
               <a:rPr lang="en-US" smtClean="0"/>
               <a:pPr algn="r"/>
-              <a:t>7/21/2021</a:t>
+              <a:t>7/22/2021</a:t>
             </a:fld>
             <a:endParaRPr lang="en-US" dirty="0"/>
           </a:p>
@@ -3298,7 +3298,7 @@
             <a:fld id="{A37D6D71-8B28-4ED6-B932-04B197003D23}" type="datetimeFigureOut">
               <a:rPr lang="en-US" smtClean="0"/>
               <a:pPr algn="r"/>
-              <a:t>7/21/2021</a:t>
+              <a:t>7/22/2021</a:t>
             </a:fld>
             <a:endParaRPr lang="en-US" spc="50" dirty="0"/>
           </a:p>
